--- a/documentation/Presentation.pptx
+++ b/documentation/Presentation.pptx
@@ -110,6 +110,11 @@
       </a:defRPr>
     </a:lvl9pPr>
   </p:defaultTextStyle>
+  <p:extLst>
+    <p:ext uri="{EFAFB233-063F-42B5-8137-9DF3F51BA10A}">
+      <p15:sldGuideLst xmlns:p15="http://schemas.microsoft.com/office/powerpoint/2012/main"/>
+    </p:ext>
+  </p:extLst>
 </p:presentation>
 </file>
 
@@ -299,7 +304,7 @@
           <a:p>
             <a:fld id="{4AAD347D-5ACD-4C99-B74B-A9C85AD731AF}" type="datetimeFigureOut">
               <a:rPr lang="en-US" smtClean="0"/>
-              <a:t>5/25/2023</a:t>
+              <a:t>5/26/2023</a:t>
             </a:fld>
             <a:endParaRPr lang="en-US" dirty="0"/>
           </a:p>
@@ -574,7 +579,7 @@
           <a:p>
             <a:fld id="{4AAD347D-5ACD-4C99-B74B-A9C85AD731AF}" type="datetimeFigureOut">
               <a:rPr lang="en-US" smtClean="0"/>
-              <a:t>5/25/2023</a:t>
+              <a:t>5/26/2023</a:t>
             </a:fld>
             <a:endParaRPr lang="en-US" dirty="0"/>
           </a:p>
@@ -769,7 +774,7 @@
           <a:p>
             <a:fld id="{4AAD347D-5ACD-4C99-B74B-A9C85AD731AF}" type="datetimeFigureOut">
               <a:rPr lang="en-US" smtClean="0"/>
-              <a:t>5/25/2023</a:t>
+              <a:t>5/26/2023</a:t>
             </a:fld>
             <a:endParaRPr lang="en-US" dirty="0"/>
           </a:p>
@@ -1043,7 +1048,7 @@
           <a:p>
             <a:fld id="{4AAD347D-5ACD-4C99-B74B-A9C85AD731AF}" type="datetimeFigureOut">
               <a:rPr lang="en-US" smtClean="0"/>
-              <a:t>5/25/2023</a:t>
+              <a:t>5/26/2023</a:t>
             </a:fld>
             <a:endParaRPr lang="en-US" dirty="0"/>
           </a:p>
@@ -1385,7 +1390,7 @@
           <a:p>
             <a:fld id="{4AAD347D-5ACD-4C99-B74B-A9C85AD731AF}" type="datetimeFigureOut">
               <a:rPr lang="en-US" smtClean="0"/>
-              <a:t>5/25/2023</a:t>
+              <a:t>5/26/2023</a:t>
             </a:fld>
             <a:endParaRPr lang="en-US" dirty="0"/>
           </a:p>
@@ -2009,7 +2014,7 @@
           <a:p>
             <a:fld id="{4AAD347D-5ACD-4C99-B74B-A9C85AD731AF}" type="datetimeFigureOut">
               <a:rPr lang="en-US" smtClean="0"/>
-              <a:t>5/25/2023</a:t>
+              <a:t>5/26/2023</a:t>
             </a:fld>
             <a:endParaRPr lang="en-US" dirty="0"/>
           </a:p>
@@ -2870,7 +2875,7 @@
           <a:p>
             <a:fld id="{4AAD347D-5ACD-4C99-B74B-A9C85AD731AF}" type="datetimeFigureOut">
               <a:rPr lang="en-US" smtClean="0"/>
-              <a:t>5/25/2023</a:t>
+              <a:t>5/26/2023</a:t>
             </a:fld>
             <a:endParaRPr lang="en-US" dirty="0"/>
           </a:p>
@@ -3041,7 +3046,7 @@
           <a:p>
             <a:fld id="{4509A250-FF31-4206-8172-F9D3106AACB1}" type="datetimeFigureOut">
               <a:rPr lang="en-US" smtClean="0"/>
-              <a:t>5/25/2023</a:t>
+              <a:t>5/26/2023</a:t>
             </a:fld>
             <a:endParaRPr lang="en-US" dirty="0"/>
           </a:p>
@@ -3221,7 +3226,7 @@
           <a:p>
             <a:fld id="{4509A250-FF31-4206-8172-F9D3106AACB1}" type="datetimeFigureOut">
               <a:rPr lang="en-US" smtClean="0"/>
-              <a:t>5/25/2023</a:t>
+              <a:t>5/26/2023</a:t>
             </a:fld>
             <a:endParaRPr lang="en-US" dirty="0"/>
           </a:p>
@@ -3391,7 +3396,7 @@
           <a:p>
             <a:fld id="{4509A250-FF31-4206-8172-F9D3106AACB1}" type="datetimeFigureOut">
               <a:rPr lang="en-US" smtClean="0"/>
-              <a:t>5/25/2023</a:t>
+              <a:t>5/26/2023</a:t>
             </a:fld>
             <a:endParaRPr lang="en-US" dirty="0"/>
           </a:p>
@@ -3638,7 +3643,7 @@
           <a:p>
             <a:fld id="{9796027F-7875-4030-9381-8BD8C4F21935}" type="datetimeFigureOut">
               <a:rPr lang="en-US" smtClean="0"/>
-              <a:t>5/25/2023</a:t>
+              <a:t>5/26/2023</a:t>
             </a:fld>
             <a:endParaRPr lang="en-US" dirty="0"/>
           </a:p>
@@ -3930,7 +3935,7 @@
           <a:p>
             <a:fld id="{9796027F-7875-4030-9381-8BD8C4F21935}" type="datetimeFigureOut">
               <a:rPr lang="en-US" smtClean="0"/>
-              <a:t>5/25/2023</a:t>
+              <a:t>5/26/2023</a:t>
             </a:fld>
             <a:endParaRPr lang="en-US" dirty="0"/>
           </a:p>
@@ -4374,7 +4379,7 @@
           <a:p>
             <a:fld id="{9796027F-7875-4030-9381-8BD8C4F21935}" type="datetimeFigureOut">
               <a:rPr lang="en-US" smtClean="0"/>
-              <a:t>5/25/2023</a:t>
+              <a:t>5/26/2023</a:t>
             </a:fld>
             <a:endParaRPr lang="en-US" dirty="0"/>
           </a:p>
@@ -4492,7 +4497,7 @@
           <a:p>
             <a:fld id="{4509A250-FF31-4206-8172-F9D3106AACB1}" type="datetimeFigureOut">
               <a:rPr lang="en-US" smtClean="0"/>
-              <a:t>5/25/2023</a:t>
+              <a:t>5/26/2023</a:t>
             </a:fld>
             <a:endParaRPr lang="en-US" dirty="0"/>
           </a:p>
@@ -4587,7 +4592,7 @@
           <a:p>
             <a:fld id="{4509A250-FF31-4206-8172-F9D3106AACB1}" type="datetimeFigureOut">
               <a:rPr lang="en-US" smtClean="0"/>
-              <a:t>5/25/2023</a:t>
+              <a:t>5/26/2023</a:t>
             </a:fld>
             <a:endParaRPr lang="en-US" dirty="0"/>
           </a:p>
@@ -4866,7 +4871,7 @@
           <a:p>
             <a:fld id="{4509A250-FF31-4206-8172-F9D3106AACB1}" type="datetimeFigureOut">
               <a:rPr lang="en-US" smtClean="0"/>
-              <a:t>5/25/2023</a:t>
+              <a:t>5/26/2023</a:t>
             </a:fld>
             <a:endParaRPr lang="en-US" dirty="0"/>
           </a:p>
@@ -5141,7 +5146,7 @@
           <a:p>
             <a:fld id="{4509A250-FF31-4206-8172-F9D3106AACB1}" type="datetimeFigureOut">
               <a:rPr lang="en-US" smtClean="0"/>
-              <a:t>5/25/2023</a:t>
+              <a:t>5/26/2023</a:t>
             </a:fld>
             <a:endParaRPr lang="en-US" dirty="0"/>
           </a:p>
@@ -5570,7 +5575,7 @@
           <a:p>
             <a:fld id="{4AAD347D-5ACD-4C99-B74B-A9C85AD731AF}" type="datetimeFigureOut">
               <a:rPr lang="en-US" smtClean="0"/>
-              <a:t>5/25/2023</a:t>
+              <a:t>5/26/2023</a:t>
             </a:fld>
             <a:endParaRPr lang="en-US" dirty="0"/>
           </a:p>
@@ -6128,231 +6133,26 @@
             <a:r>
               <a:rPr lang="en-US" dirty="0">
                 <a:solidFill>
-                  <a:srgbClr val="C00000"/>
-                </a:solidFill>
-                <a:latin typeface="inherit"/>
-              </a:rPr>
-              <a:t>S</a:t>
-            </a:r>
-            <a:r>
-              <a:rPr lang="en-US" dirty="0">
-                <a:solidFill>
-                  <a:srgbClr val="FFC000"/>
-                </a:solidFill>
-                <a:latin typeface="inherit"/>
-              </a:rPr>
-              <a:t>p</a:t>
-            </a:r>
-            <a:r>
-              <a:rPr lang="en-US" dirty="0">
-                <a:solidFill>
-                  <a:srgbClr val="FFFF00"/>
-                </a:solidFill>
-                <a:latin typeface="inherit"/>
-              </a:rPr>
-              <a:t>r</a:t>
-            </a:r>
-            <a:r>
-              <a:rPr lang="en-US" dirty="0">
-                <a:solidFill>
-                  <a:srgbClr val="92D050"/>
-                </a:solidFill>
-                <a:latin typeface="inherit"/>
-              </a:rPr>
-              <a:t>i</a:t>
-            </a:r>
-            <a:r>
-              <a:rPr lang="en-US" dirty="0">
-                <a:solidFill>
-                  <a:srgbClr val="00B0F0"/>
-                </a:solidFill>
-                <a:latin typeface="inherit"/>
-              </a:rPr>
-              <a:t>n</a:t>
-            </a:r>
-            <a:r>
-              <a:rPr lang="en-US" dirty="0">
-                <a:solidFill>
-                  <a:srgbClr val="7030A0"/>
-                </a:solidFill>
-                <a:latin typeface="inherit"/>
-              </a:rPr>
-              <a:t>t</a:t>
-            </a:r>
-            <a:r>
-              <a:rPr lang="en-US" dirty="0">
-                <a:solidFill>
                   <a:schemeClr val="tx1"/>
                 </a:solidFill>
                 <a:latin typeface="inherit"/>
               </a:rPr>
-              <a:t>-</a:t>
-            </a:r>
-            <a:r>
-              <a:rPr lang="en-US" dirty="0">
-                <a:solidFill>
-                  <a:srgbClr val="C00000"/>
-                </a:solidFill>
-                <a:latin typeface="inherit"/>
-              </a:rPr>
-              <a:t>8</a:t>
-            </a:r>
-            <a:r>
-              <a:rPr lang="en-US" dirty="0">
-                <a:solidFill>
-                  <a:srgbClr val="FFC000"/>
-                </a:solidFill>
-                <a:latin typeface="inherit"/>
-              </a:rPr>
-              <a:t>t</a:t>
-            </a:r>
-            <a:r>
-              <a:rPr lang="en-US" dirty="0">
-                <a:solidFill>
-                  <a:srgbClr val="FFFF00"/>
-                </a:solidFill>
-                <a:latin typeface="inherit"/>
-              </a:rPr>
-              <a:t>h</a:t>
-            </a:r>
-            <a:r>
-              <a:rPr lang="en-US" dirty="0">
-                <a:solidFill>
-                  <a:srgbClr val="92D050"/>
-                </a:solidFill>
-                <a:latin typeface="inherit"/>
-              </a:rPr>
-              <a:t>G</a:t>
-            </a:r>
-            <a:r>
-              <a:rPr lang="en-US" dirty="0">
-                <a:solidFill>
-                  <a:srgbClr val="00B0F0"/>
-                </a:solidFill>
-                <a:latin typeface="inherit"/>
-              </a:rPr>
-              <a:t>r</a:t>
-            </a:r>
-            <a:r>
-              <a:rPr lang="en-US" dirty="0">
-                <a:solidFill>
-                  <a:srgbClr val="7030A0"/>
-                </a:solidFill>
-                <a:latin typeface="inherit"/>
-              </a:rPr>
-              <a:t>a</a:t>
-            </a:r>
-            <a:r>
-              <a:rPr lang="en-US" dirty="0">
-                <a:solidFill>
-                  <a:srgbClr val="C00000"/>
-                </a:solidFill>
-                <a:latin typeface="inherit"/>
-              </a:rPr>
-              <a:t>d</a:t>
-            </a:r>
-            <a:r>
-              <a:rPr lang="en-US" dirty="0">
-                <a:solidFill>
-                  <a:srgbClr val="FFC000"/>
-                </a:solidFill>
-                <a:latin typeface="inherit"/>
-              </a:rPr>
-              <a:t>e</a:t>
-            </a:r>
-            <a:r>
-              <a:rPr lang="en-US" dirty="0">
-                <a:solidFill>
-                  <a:schemeClr val="tx1">
-                    <a:lumMod val="95000"/>
-                  </a:schemeClr>
-                </a:solidFill>
-                <a:latin typeface="inherit"/>
-              </a:rPr>
-              <a:t>-</a:t>
-            </a:r>
-            <a:r>
-              <a:rPr lang="en-US" dirty="0">
-                <a:solidFill>
-                  <a:srgbClr val="FFFF00"/>
-                </a:solidFill>
-                <a:latin typeface="inherit"/>
-              </a:rPr>
-              <a:t>R</a:t>
-            </a:r>
-            <a:r>
-              <a:rPr lang="en-US" dirty="0">
-                <a:solidFill>
-                  <a:srgbClr val="92D050"/>
-                </a:solidFill>
-                <a:latin typeface="inherit"/>
-              </a:rPr>
-              <a:t>o</a:t>
-            </a:r>
-            <a:r>
-              <a:rPr lang="en-US" dirty="0">
-                <a:solidFill>
-                  <a:srgbClr val="00B0F0"/>
-                </a:solidFill>
-                <a:latin typeface="inherit"/>
-              </a:rPr>
-              <a:t>b</a:t>
-            </a:r>
-            <a:r>
-              <a:rPr lang="en-US" dirty="0">
-                <a:solidFill>
-                  <a:srgbClr val="7030A0"/>
-                </a:solidFill>
-                <a:latin typeface="inherit"/>
-              </a:rPr>
-              <a:t>o</a:t>
-            </a:r>
-            <a:r>
-              <a:rPr lang="en-US" dirty="0">
-                <a:solidFill>
-                  <a:srgbClr val="C00000"/>
-                </a:solidFill>
-                <a:latin typeface="inherit"/>
-              </a:rPr>
-              <a:t>t</a:t>
-            </a:r>
-            <a:r>
-              <a:rPr lang="en-US" dirty="0">
-                <a:solidFill>
-                  <a:srgbClr val="FFC000"/>
-                </a:solidFill>
-                <a:latin typeface="inherit"/>
-              </a:rPr>
-              <a:t>i</a:t>
-            </a:r>
-            <a:r>
-              <a:rPr lang="en-US" dirty="0">
-                <a:solidFill>
-                  <a:srgbClr val="FFFF00"/>
-                </a:solidFill>
-                <a:latin typeface="inherit"/>
-              </a:rPr>
-              <a:t>c</a:t>
-            </a:r>
-            <a:r>
-              <a:rPr lang="en-US" dirty="0">
-                <a:solidFill>
-                  <a:srgbClr val="92D050"/>
-                </a:solidFill>
-                <a:latin typeface="inherit"/>
-              </a:rPr>
-              <a:t>s</a:t>
+              <a:t>Sprint-8thGrade-Robotics</a:t>
             </a:r>
             <a:br>
               <a:rPr lang="en-US" b="0" i="0" dirty="0">
                 <a:solidFill>
-                  <a:srgbClr val="000000"/>
+                  <a:schemeClr val="tx1"/>
                 </a:solidFill>
                 <a:effectLst/>
                 <a:latin typeface="inherit"/>
               </a:rPr>
             </a:br>
-            <a:endParaRPr lang="en-US" dirty="0"/>
+            <a:endParaRPr lang="en-US" dirty="0">
+              <a:solidFill>
+                <a:schemeClr val="tx1"/>
+              </a:solidFill>
+            </a:endParaRPr>
           </a:p>
         </p:txBody>
       </p:sp>
@@ -6645,7 +6445,11 @@
           <a:lstStyle/>
           <a:p>
             <a:pPr algn="ctr"/>
-            <a:endParaRPr lang="en-US"/>
+            <a:endParaRPr lang="en-US" dirty="0">
+              <a:highlight>
+                <a:srgbClr val="FFFF00"/>
+              </a:highlight>
+            </a:endParaRPr>
           </a:p>
         </p:txBody>
       </p:sp>
@@ -7023,190 +6827,6 @@
       </p:grpSpPr>
       <p:sp>
         <p:nvSpPr>
-          <p:cNvPr id="6" name="Правоъгълник 5">
-            <a:extLst>
-              <a:ext uri="{FF2B5EF4-FFF2-40B4-BE49-F238E27FC236}">
-                <a16:creationId xmlns:a16="http://schemas.microsoft.com/office/drawing/2014/main" id="{298CA182-B803-903B-9032-B558D18C792C}"/>
-              </a:ext>
-            </a:extLst>
-          </p:cNvPr>
-          <p:cNvSpPr/>
-          <p:nvPr/>
-        </p:nvSpPr>
-        <p:spPr>
-          <a:xfrm>
-            <a:off x="709301" y="1224182"/>
-            <a:ext cx="2008262" cy="3384135"/>
-          </a:xfrm>
-          <a:prstGeom prst="rect">
-            <a:avLst/>
-          </a:prstGeom>
-        </p:spPr>
-        <p:style>
-          <a:lnRef idx="2">
-            <a:schemeClr val="accent1">
-              <a:shade val="50000"/>
-            </a:schemeClr>
-          </a:lnRef>
-          <a:fillRef idx="1">
-            <a:schemeClr val="accent1"/>
-          </a:fillRef>
-          <a:effectRef idx="0">
-            <a:schemeClr val="accent1"/>
-          </a:effectRef>
-          <a:fontRef idx="minor">
-            <a:schemeClr val="lt1"/>
-          </a:fontRef>
-        </p:style>
-        <p:txBody>
-          <a:bodyPr rtlCol="0" anchor="ctr"/>
-          <a:lstStyle/>
-          <a:p>
-            <a:pPr algn="ctr"/>
-            <a:endParaRPr lang="en-US"/>
-          </a:p>
-        </p:txBody>
-      </p:sp>
-      <p:sp>
-        <p:nvSpPr>
-          <p:cNvPr id="8" name="Правоъгълник 7">
-            <a:extLst>
-              <a:ext uri="{FF2B5EF4-FFF2-40B4-BE49-F238E27FC236}">
-                <a16:creationId xmlns:a16="http://schemas.microsoft.com/office/drawing/2014/main" id="{5B2335C4-0C1F-1E26-3CA0-968EE7368C52}"/>
-              </a:ext>
-            </a:extLst>
-          </p:cNvPr>
-          <p:cNvSpPr/>
-          <p:nvPr/>
-        </p:nvSpPr>
-        <p:spPr>
-          <a:xfrm>
-            <a:off x="3721694" y="1224183"/>
-            <a:ext cx="2008262" cy="3384135"/>
-          </a:xfrm>
-          <a:prstGeom prst="rect">
-            <a:avLst/>
-          </a:prstGeom>
-        </p:spPr>
-        <p:style>
-          <a:lnRef idx="2">
-            <a:schemeClr val="accent1">
-              <a:shade val="50000"/>
-            </a:schemeClr>
-          </a:lnRef>
-          <a:fillRef idx="1">
-            <a:schemeClr val="accent1"/>
-          </a:fillRef>
-          <a:effectRef idx="0">
-            <a:schemeClr val="accent1"/>
-          </a:effectRef>
-          <a:fontRef idx="minor">
-            <a:schemeClr val="lt1"/>
-          </a:fontRef>
-        </p:style>
-        <p:txBody>
-          <a:bodyPr rtlCol="0" anchor="ctr"/>
-          <a:lstStyle/>
-          <a:p>
-            <a:pPr algn="ctr"/>
-            <a:endParaRPr lang="en-US" dirty="0"/>
-          </a:p>
-        </p:txBody>
-      </p:sp>
-      <p:sp>
-        <p:nvSpPr>
-          <p:cNvPr id="9" name="Правоъгълник 8">
-            <a:extLst>
-              <a:ext uri="{FF2B5EF4-FFF2-40B4-BE49-F238E27FC236}">
-                <a16:creationId xmlns:a16="http://schemas.microsoft.com/office/drawing/2014/main" id="{0EAA76D1-91EC-CD73-2CF4-8F53E90FD4CC}"/>
-              </a:ext>
-            </a:extLst>
-          </p:cNvPr>
-          <p:cNvSpPr/>
-          <p:nvPr/>
-        </p:nvSpPr>
-        <p:spPr>
-          <a:xfrm>
-            <a:off x="6734087" y="1224180"/>
-            <a:ext cx="2008262" cy="3384135"/>
-          </a:xfrm>
-          <a:prstGeom prst="rect">
-            <a:avLst/>
-          </a:prstGeom>
-        </p:spPr>
-        <p:style>
-          <a:lnRef idx="2">
-            <a:schemeClr val="accent1">
-              <a:shade val="50000"/>
-            </a:schemeClr>
-          </a:lnRef>
-          <a:fillRef idx="1">
-            <a:schemeClr val="accent1"/>
-          </a:fillRef>
-          <a:effectRef idx="0">
-            <a:schemeClr val="accent1"/>
-          </a:effectRef>
-          <a:fontRef idx="minor">
-            <a:schemeClr val="lt1"/>
-          </a:fontRef>
-        </p:style>
-        <p:txBody>
-          <a:bodyPr rtlCol="0" anchor="ctr"/>
-          <a:lstStyle/>
-          <a:p>
-            <a:pPr algn="ctr"/>
-            <a:endParaRPr lang="en-US"/>
-          </a:p>
-        </p:txBody>
-      </p:sp>
-      <p:sp>
-        <p:nvSpPr>
-          <p:cNvPr id="10" name="Правоъгълник 9">
-            <a:extLst>
-              <a:ext uri="{FF2B5EF4-FFF2-40B4-BE49-F238E27FC236}">
-                <a16:creationId xmlns:a16="http://schemas.microsoft.com/office/drawing/2014/main" id="{E3710DD3-1F43-D988-ED10-B6D4C35F0007}"/>
-              </a:ext>
-            </a:extLst>
-          </p:cNvPr>
-          <p:cNvSpPr/>
-          <p:nvPr/>
-        </p:nvSpPr>
-        <p:spPr>
-          <a:xfrm>
-            <a:off x="9746480" y="1224180"/>
-            <a:ext cx="2008262" cy="3384135"/>
-          </a:xfrm>
-          <a:prstGeom prst="rect">
-            <a:avLst/>
-          </a:prstGeom>
-        </p:spPr>
-        <p:style>
-          <a:lnRef idx="2">
-            <a:schemeClr val="accent1">
-              <a:shade val="50000"/>
-            </a:schemeClr>
-          </a:lnRef>
-          <a:fillRef idx="1">
-            <a:schemeClr val="accent1"/>
-          </a:fillRef>
-          <a:effectRef idx="0">
-            <a:schemeClr val="accent1"/>
-          </a:effectRef>
-          <a:fontRef idx="minor">
-            <a:schemeClr val="lt1"/>
-          </a:fontRef>
-        </p:style>
-        <p:txBody>
-          <a:bodyPr rtlCol="0" anchor="ctr"/>
-          <a:lstStyle/>
-          <a:p>
-            <a:pPr algn="ctr"/>
-            <a:endParaRPr lang="en-US"/>
-          </a:p>
-        </p:txBody>
-      </p:sp>
-      <p:sp>
-        <p:nvSpPr>
           <p:cNvPr id="11" name="Текстово поле 10">
             <a:extLst>
               <a:ext uri="{FF2B5EF4-FFF2-40B4-BE49-F238E27FC236}">
@@ -7480,6 +7100,126 @@
           </a:p>
         </p:txBody>
       </p:sp>
+      <p:pic>
+        <p:nvPicPr>
+          <p:cNvPr id="3" name="Картина 2" descr="Картина, която съдържа човек, Човешко лице, Брадичка, вежда&#10;&#10;Описанието е генерирано автоматично">
+            <a:extLst>
+              <a:ext uri="{FF2B5EF4-FFF2-40B4-BE49-F238E27FC236}">
+                <a16:creationId xmlns:a16="http://schemas.microsoft.com/office/drawing/2014/main" id="{30CB44DE-0A54-D706-F882-F8D0767C03E7}"/>
+              </a:ext>
+            </a:extLst>
+          </p:cNvPr>
+          <p:cNvPicPr>
+            <a:picLocks noChangeAspect="1"/>
+          </p:cNvPicPr>
+          <p:nvPr/>
+        </p:nvPicPr>
+        <p:blipFill>
+          <a:blip r:embed="rId2"/>
+          <a:stretch>
+            <a:fillRect/>
+          </a:stretch>
+        </p:blipFill>
+        <p:spPr>
+          <a:xfrm>
+            <a:off x="6661674" y="1787593"/>
+            <a:ext cx="2401092" cy="2401092"/>
+          </a:xfrm>
+          <a:prstGeom prst="rect">
+            <a:avLst/>
+          </a:prstGeom>
+        </p:spPr>
+      </p:pic>
+      <p:pic>
+        <p:nvPicPr>
+          <p:cNvPr id="5" name="Картина 4" descr="Картина, която съдържа човек, вратовръзка, Човешко лице, дрехи&#10;&#10;Описанието е генерирано автоматично">
+            <a:extLst>
+              <a:ext uri="{FF2B5EF4-FFF2-40B4-BE49-F238E27FC236}">
+                <a16:creationId xmlns:a16="http://schemas.microsoft.com/office/drawing/2014/main" id="{9FFB19AD-F4B9-CA69-B3A1-1812E13FCC89}"/>
+              </a:ext>
+            </a:extLst>
+          </p:cNvPr>
+          <p:cNvPicPr>
+            <a:picLocks noChangeAspect="1"/>
+          </p:cNvPicPr>
+          <p:nvPr/>
+        </p:nvPicPr>
+        <p:blipFill>
+          <a:blip r:embed="rId3"/>
+          <a:stretch>
+            <a:fillRect/>
+          </a:stretch>
+        </p:blipFill>
+        <p:spPr>
+          <a:xfrm>
+            <a:off x="449861" y="1787595"/>
+            <a:ext cx="2401091" cy="2401091"/>
+          </a:xfrm>
+          <a:prstGeom prst="rect">
+            <a:avLst/>
+          </a:prstGeom>
+        </p:spPr>
+      </p:pic>
+      <p:pic>
+        <p:nvPicPr>
+          <p:cNvPr id="12" name="Картина 11" descr="Картина, която съдържа дрехи, човек, Човешко лице, врат&#10;&#10;Описанието е генерирано автоматично">
+            <a:extLst>
+              <a:ext uri="{FF2B5EF4-FFF2-40B4-BE49-F238E27FC236}">
+                <a16:creationId xmlns:a16="http://schemas.microsoft.com/office/drawing/2014/main" id="{5D5D52D9-DFC1-9449-9919-41AA22C38C92}"/>
+              </a:ext>
+            </a:extLst>
+          </p:cNvPr>
+          <p:cNvPicPr>
+            <a:picLocks noChangeAspect="1"/>
+          </p:cNvPicPr>
+          <p:nvPr/>
+        </p:nvPicPr>
+        <p:blipFill>
+          <a:blip r:embed="rId4"/>
+          <a:stretch>
+            <a:fillRect/>
+          </a:stretch>
+        </p:blipFill>
+        <p:spPr>
+          <a:xfrm>
+            <a:off x="3694909" y="1787594"/>
+            <a:ext cx="2401091" cy="2401091"/>
+          </a:xfrm>
+          <a:prstGeom prst="rect">
+            <a:avLst/>
+          </a:prstGeom>
+        </p:spPr>
+      </p:pic>
+      <p:pic>
+        <p:nvPicPr>
+          <p:cNvPr id="20" name="Картина 19" descr="Картина, която съдържа човек, Човешко лице, дрехи, врат&#10;&#10;Описанието е генерирано автоматично">
+            <a:extLst>
+              <a:ext uri="{FF2B5EF4-FFF2-40B4-BE49-F238E27FC236}">
+                <a16:creationId xmlns:a16="http://schemas.microsoft.com/office/drawing/2014/main" id="{6997486C-8819-41C0-9ED5-B48D6A588637}"/>
+              </a:ext>
+            </a:extLst>
+          </p:cNvPr>
+          <p:cNvPicPr>
+            <a:picLocks noChangeAspect="1"/>
+          </p:cNvPicPr>
+          <p:nvPr/>
+        </p:nvPicPr>
+        <p:blipFill>
+          <a:blip r:embed="rId5"/>
+          <a:stretch>
+            <a:fillRect/>
+          </a:stretch>
+        </p:blipFill>
+        <p:spPr>
+          <a:xfrm>
+            <a:off x="9628440" y="1787596"/>
+            <a:ext cx="2401090" cy="2401090"/>
+          </a:xfrm>
+          <a:prstGeom prst="rect">
+            <a:avLst/>
+          </a:prstGeom>
+        </p:spPr>
+      </p:pic>
     </p:spTree>
     <p:extLst>
       <p:ext uri="{BB962C8B-B14F-4D97-AF65-F5344CB8AC3E}">

--- a/documentation/Presentation.pptx
+++ b/documentation/Presentation.pptx
@@ -7985,7 +7985,7 @@
         </p:blipFill>
         <p:spPr>
           <a:xfrm>
-            <a:off x="8104201" y="3210756"/>
+            <a:off x="6096000" y="3276599"/>
             <a:ext cx="1658275" cy="1573567"/>
           </a:xfrm>
           <a:prstGeom prst="rect">
@@ -8069,7 +8069,7 @@
         </p:blipFill>
         <p:spPr bwMode="auto">
           <a:xfrm>
-            <a:off x="4493579" y="3355758"/>
+            <a:off x="3413278" y="3355757"/>
             <a:ext cx="1428565" cy="1428565"/>
           </a:xfrm>
           <a:prstGeom prst="rect">
@@ -8132,6 +8132,36 @@
               </a14:hiddenFill>
             </a:ext>
           </a:extLst>
+        </p:spPr>
+      </p:pic>
+      <p:pic>
+        <p:nvPicPr>
+          <p:cNvPr id="2" name="Картина 1">
+            <a:extLst>
+              <a:ext uri="{FF2B5EF4-FFF2-40B4-BE49-F238E27FC236}">
+                <a16:creationId xmlns:a16="http://schemas.microsoft.com/office/drawing/2014/main" id="{A838C459-9F8E-6701-4714-F35AF69A0124}"/>
+              </a:ext>
+            </a:extLst>
+          </p:cNvPr>
+          <p:cNvPicPr>
+            <a:picLocks noChangeAspect="1"/>
+          </p:cNvPicPr>
+          <p:nvPr/>
+        </p:nvPicPr>
+        <p:blipFill>
+          <a:blip r:embed="rId8"/>
+          <a:stretch>
+            <a:fillRect/>
+          </a:stretch>
+        </p:blipFill>
+        <p:spPr>
+          <a:xfrm>
+            <a:off x="9008432" y="3421602"/>
+            <a:ext cx="1428564" cy="1428564"/>
+          </a:xfrm>
+          <a:prstGeom prst="rect">
+            <a:avLst/>
+          </a:prstGeom>
         </p:spPr>
       </p:pic>
     </p:spTree>

--- a/documentation/Presentation.pptx
+++ b/documentation/Presentation.pptx
@@ -304,7 +304,7 @@
           <a:p>
             <a:fld id="{4AAD347D-5ACD-4C99-B74B-A9C85AD731AF}" type="datetimeFigureOut">
               <a:rPr lang="en-US" smtClean="0"/>
-              <a:t>5/26/2023</a:t>
+              <a:t>6/8/2023</a:t>
             </a:fld>
             <a:endParaRPr lang="en-US" dirty="0"/>
           </a:p>
@@ -579,7 +579,7 @@
           <a:p>
             <a:fld id="{4AAD347D-5ACD-4C99-B74B-A9C85AD731AF}" type="datetimeFigureOut">
               <a:rPr lang="en-US" smtClean="0"/>
-              <a:t>5/26/2023</a:t>
+              <a:t>6/8/2023</a:t>
             </a:fld>
             <a:endParaRPr lang="en-US" dirty="0"/>
           </a:p>
@@ -774,7 +774,7 @@
           <a:p>
             <a:fld id="{4AAD347D-5ACD-4C99-B74B-A9C85AD731AF}" type="datetimeFigureOut">
               <a:rPr lang="en-US" smtClean="0"/>
-              <a:t>5/26/2023</a:t>
+              <a:t>6/8/2023</a:t>
             </a:fld>
             <a:endParaRPr lang="en-US" dirty="0"/>
           </a:p>
@@ -1048,7 +1048,7 @@
           <a:p>
             <a:fld id="{4AAD347D-5ACD-4C99-B74B-A9C85AD731AF}" type="datetimeFigureOut">
               <a:rPr lang="en-US" smtClean="0"/>
-              <a:t>5/26/2023</a:t>
+              <a:t>6/8/2023</a:t>
             </a:fld>
             <a:endParaRPr lang="en-US" dirty="0"/>
           </a:p>
@@ -1390,7 +1390,7 @@
           <a:p>
             <a:fld id="{4AAD347D-5ACD-4C99-B74B-A9C85AD731AF}" type="datetimeFigureOut">
               <a:rPr lang="en-US" smtClean="0"/>
-              <a:t>5/26/2023</a:t>
+              <a:t>6/8/2023</a:t>
             </a:fld>
             <a:endParaRPr lang="en-US" dirty="0"/>
           </a:p>
@@ -2014,7 +2014,7 @@
           <a:p>
             <a:fld id="{4AAD347D-5ACD-4C99-B74B-A9C85AD731AF}" type="datetimeFigureOut">
               <a:rPr lang="en-US" smtClean="0"/>
-              <a:t>5/26/2023</a:t>
+              <a:t>6/8/2023</a:t>
             </a:fld>
             <a:endParaRPr lang="en-US" dirty="0"/>
           </a:p>
@@ -2875,7 +2875,7 @@
           <a:p>
             <a:fld id="{4AAD347D-5ACD-4C99-B74B-A9C85AD731AF}" type="datetimeFigureOut">
               <a:rPr lang="en-US" smtClean="0"/>
-              <a:t>5/26/2023</a:t>
+              <a:t>6/8/2023</a:t>
             </a:fld>
             <a:endParaRPr lang="en-US" dirty="0"/>
           </a:p>
@@ -3046,7 +3046,7 @@
           <a:p>
             <a:fld id="{4509A250-FF31-4206-8172-F9D3106AACB1}" type="datetimeFigureOut">
               <a:rPr lang="en-US" smtClean="0"/>
-              <a:t>5/26/2023</a:t>
+              <a:t>6/8/2023</a:t>
             </a:fld>
             <a:endParaRPr lang="en-US" dirty="0"/>
           </a:p>
@@ -3226,7 +3226,7 @@
           <a:p>
             <a:fld id="{4509A250-FF31-4206-8172-F9D3106AACB1}" type="datetimeFigureOut">
               <a:rPr lang="en-US" smtClean="0"/>
-              <a:t>5/26/2023</a:t>
+              <a:t>6/8/2023</a:t>
             </a:fld>
             <a:endParaRPr lang="en-US" dirty="0"/>
           </a:p>
@@ -3396,7 +3396,7 @@
           <a:p>
             <a:fld id="{4509A250-FF31-4206-8172-F9D3106AACB1}" type="datetimeFigureOut">
               <a:rPr lang="en-US" smtClean="0"/>
-              <a:t>5/26/2023</a:t>
+              <a:t>6/8/2023</a:t>
             </a:fld>
             <a:endParaRPr lang="en-US" dirty="0"/>
           </a:p>
@@ -3643,7 +3643,7 @@
           <a:p>
             <a:fld id="{9796027F-7875-4030-9381-8BD8C4F21935}" type="datetimeFigureOut">
               <a:rPr lang="en-US" smtClean="0"/>
-              <a:t>5/26/2023</a:t>
+              <a:t>6/8/2023</a:t>
             </a:fld>
             <a:endParaRPr lang="en-US" dirty="0"/>
           </a:p>
@@ -3935,7 +3935,7 @@
           <a:p>
             <a:fld id="{9796027F-7875-4030-9381-8BD8C4F21935}" type="datetimeFigureOut">
               <a:rPr lang="en-US" smtClean="0"/>
-              <a:t>5/26/2023</a:t>
+              <a:t>6/8/2023</a:t>
             </a:fld>
             <a:endParaRPr lang="en-US" dirty="0"/>
           </a:p>
@@ -4379,7 +4379,7 @@
           <a:p>
             <a:fld id="{9796027F-7875-4030-9381-8BD8C4F21935}" type="datetimeFigureOut">
               <a:rPr lang="en-US" smtClean="0"/>
-              <a:t>5/26/2023</a:t>
+              <a:t>6/8/2023</a:t>
             </a:fld>
             <a:endParaRPr lang="en-US" dirty="0"/>
           </a:p>
@@ -4497,7 +4497,7 @@
           <a:p>
             <a:fld id="{4509A250-FF31-4206-8172-F9D3106AACB1}" type="datetimeFigureOut">
               <a:rPr lang="en-US" smtClean="0"/>
-              <a:t>5/26/2023</a:t>
+              <a:t>6/8/2023</a:t>
             </a:fld>
             <a:endParaRPr lang="en-US" dirty="0"/>
           </a:p>
@@ -4592,7 +4592,7 @@
           <a:p>
             <a:fld id="{4509A250-FF31-4206-8172-F9D3106AACB1}" type="datetimeFigureOut">
               <a:rPr lang="en-US" smtClean="0"/>
-              <a:t>5/26/2023</a:t>
+              <a:t>6/8/2023</a:t>
             </a:fld>
             <a:endParaRPr lang="en-US" dirty="0"/>
           </a:p>
@@ -4871,7 +4871,7 @@
           <a:p>
             <a:fld id="{4509A250-FF31-4206-8172-F9D3106AACB1}" type="datetimeFigureOut">
               <a:rPr lang="en-US" smtClean="0"/>
-              <a:t>5/26/2023</a:t>
+              <a:t>6/8/2023</a:t>
             </a:fld>
             <a:endParaRPr lang="en-US" dirty="0"/>
           </a:p>
@@ -5146,7 +5146,7 @@
           <a:p>
             <a:fld id="{4509A250-FF31-4206-8172-F9D3106AACB1}" type="datetimeFigureOut">
               <a:rPr lang="en-US" smtClean="0"/>
-              <a:t>5/26/2023</a:t>
+              <a:t>6/8/2023</a:t>
             </a:fld>
             <a:endParaRPr lang="en-US" dirty="0"/>
           </a:p>
@@ -5575,7 +5575,7 @@
           <a:p>
             <a:fld id="{4AAD347D-5ACD-4C99-B74B-A9C85AD731AF}" type="datetimeFigureOut">
               <a:rPr lang="en-US" smtClean="0"/>
-              <a:t>5/26/2023</a:t>
+              <a:t>6/8/2023</a:t>
             </a:fld>
             <a:endParaRPr lang="en-US" dirty="0"/>
           </a:p>
@@ -6206,6 +6206,18 @@
   <p:clrMapOvr>
     <a:masterClrMapping/>
   </p:clrMapOvr>
+  <mc:AlternateContent xmlns:mc="http://schemas.openxmlformats.org/markup-compatibility/2006">
+    <mc:Choice xmlns:p159="http://schemas.microsoft.com/office/powerpoint/2015/09/main" Requires="p159">
+      <p:transition xmlns:p14="http://schemas.microsoft.com/office/powerpoint/2010/main" spd="slow" p14:dur="2000">
+        <p159:morph option="byObject"/>
+      </p:transition>
+    </mc:Choice>
+    <mc:Fallback>
+      <p:transition spd="slow">
+        <p:fade/>
+      </p:transition>
+    </mc:Fallback>
+  </mc:AlternateContent>
 </p:sld>
 </file>
 
@@ -6805,6 +6817,18 @@
   <p:clrMapOvr>
     <a:masterClrMapping/>
   </p:clrMapOvr>
+  <mc:AlternateContent xmlns:mc="http://schemas.openxmlformats.org/markup-compatibility/2006">
+    <mc:Choice xmlns:p159="http://schemas.microsoft.com/office/powerpoint/2015/09/main" Requires="p159">
+      <p:transition xmlns:p14="http://schemas.microsoft.com/office/powerpoint/2010/main" spd="slow" p14:dur="2000">
+        <p159:morph option="byObject"/>
+      </p:transition>
+    </mc:Choice>
+    <mc:Fallback>
+      <p:transition spd="slow">
+        <p:fade/>
+      </p:transition>
+    </mc:Fallback>
+  </mc:AlternateContent>
 </p:sld>
 </file>
 
@@ -7230,6 +7254,18 @@
   <p:clrMapOvr>
     <a:masterClrMapping/>
   </p:clrMapOvr>
+  <mc:AlternateContent xmlns:mc="http://schemas.openxmlformats.org/markup-compatibility/2006">
+    <mc:Choice xmlns:p159="http://schemas.microsoft.com/office/powerpoint/2015/09/main" Requires="p159">
+      <p:transition xmlns:p14="http://schemas.microsoft.com/office/powerpoint/2010/main" spd="slow" p14:dur="2000">
+        <p159:morph option="byObject"/>
+      </p:transition>
+    </mc:Choice>
+    <mc:Fallback>
+      <p:transition spd="slow">
+        <p:fade/>
+      </p:transition>
+    </mc:Fallback>
+  </mc:AlternateContent>
 </p:sld>
 </file>
 
@@ -7328,7 +7364,7 @@
           <a:p>
             <a:r>
               <a:rPr lang="bg-BG" sz="3600" dirty="0"/>
-              <a:t>Идеята на проекта беше да създадем сайт, свързан с роботиката.</a:t>
+              <a:t>Темата на проекта беше да създадем сайт, свързан с роботиката.</a:t>
             </a:r>
           </a:p>
         </p:txBody>
@@ -7390,6 +7426,18 @@
   <p:clrMapOvr>
     <a:masterClrMapping/>
   </p:clrMapOvr>
+  <mc:AlternateContent xmlns:mc="http://schemas.openxmlformats.org/markup-compatibility/2006">
+    <mc:Choice xmlns:p159="http://schemas.microsoft.com/office/powerpoint/2015/09/main" Requires="p159">
+      <p:transition xmlns:p14="http://schemas.microsoft.com/office/powerpoint/2010/main" spd="slow" p14:dur="2000">
+        <p159:morph option="byObject"/>
+      </p:transition>
+    </mc:Choice>
+    <mc:Fallback>
+      <p:transition spd="slow">
+        <p:fade/>
+      </p:transition>
+    </mc:Fallback>
+  </mc:AlternateContent>
 </p:sld>
 </file>
 
@@ -7465,7 +7513,7 @@
         <p:spPr>
           <a:xfrm>
             <a:off x="168675" y="1233997"/>
-            <a:ext cx="9818703" cy="4801314"/>
+            <a:ext cx="9818703" cy="4308872"/>
           </a:xfrm>
           <a:prstGeom prst="rect">
             <a:avLst/>
@@ -7490,17 +7538,16 @@
                 <a:effectLst/>
                 <a:latin typeface="inherit"/>
               </a:rPr>
-              <a:t> </a:t>
-            </a:r>
-            <a:r>
-              <a:rPr lang="ru-RU" sz="3200" b="0" i="0" dirty="0" err="1">
-                <a:solidFill>
-                  <a:srgbClr val="DBDEE1"/>
-                </a:solidFill>
-                <a:effectLst/>
-                <a:latin typeface="inherit"/>
-              </a:rPr>
-              <a:t>Формиране</a:t>
+              <a:t> Създаване на отбор, създаване на репо, обсъждане на възможни идеи, започване на сайта.</a:t>
+            </a:r>
+          </a:p>
+          <a:p>
+            <a:endParaRPr lang="bg-BG" sz="3200" dirty="0"/>
+          </a:p>
+          <a:p>
+            <a:r>
+              <a:rPr lang="bg-BG" sz="3200" dirty="0"/>
+              <a:t>2. </a:t>
             </a:r>
             <a:r>
               <a:rPr lang="ru-RU" sz="3200" b="0" i="0" dirty="0">
@@ -7510,17 +7557,16 @@
                 <a:effectLst/>
                 <a:latin typeface="inherit"/>
               </a:rPr>
-              <a:t> на отбор, </a:t>
-            </a:r>
-            <a:r>
-              <a:rPr lang="ru-RU" sz="3200" b="0" i="0" dirty="0" err="1">
-                <a:solidFill>
-                  <a:srgbClr val="DBDEE1"/>
-                </a:solidFill>
-                <a:effectLst/>
-                <a:latin typeface="inherit"/>
-              </a:rPr>
-              <a:t>създаване</a:t>
+              <a:t>Развитие на сайта, започване на документация и презентация.</a:t>
+            </a:r>
+          </a:p>
+          <a:p>
+            <a:endParaRPr lang="bg-BG" sz="3200" dirty="0"/>
+          </a:p>
+          <a:p>
+            <a:r>
+              <a:rPr lang="bg-BG" sz="3200" dirty="0"/>
+              <a:t>3.</a:t>
             </a:r>
             <a:r>
               <a:rPr lang="ru-RU" sz="3200" b="0" i="0" dirty="0">
@@ -7530,17 +7576,16 @@
                 <a:effectLst/>
                 <a:latin typeface="inherit"/>
               </a:rPr>
-              <a:t> на </a:t>
-            </a:r>
-            <a:r>
-              <a:rPr lang="ru-RU" sz="3200" b="0" i="0" dirty="0" err="1">
+              <a:t> Завършване на </a:t>
+            </a:r>
+            <a:r>
+              <a:rPr lang="ru-RU" sz="3200" dirty="0">
                 <a:solidFill>
                   <a:srgbClr val="DBDEE1"/>
                 </a:solidFill>
-                <a:effectLst/>
                 <a:latin typeface="inherit"/>
               </a:rPr>
-              <a:t>репо</a:t>
+              <a:t>сайта, </a:t>
             </a:r>
             <a:r>
               <a:rPr lang="ru-RU" sz="3200" b="0" i="0" dirty="0">
@@ -7550,214 +7595,7 @@
                 <a:effectLst/>
                 <a:latin typeface="inherit"/>
               </a:rPr>
-              <a:t>, </a:t>
-            </a:r>
-            <a:r>
-              <a:rPr lang="ru-RU" sz="3200" b="0" i="0" dirty="0" err="1">
-                <a:solidFill>
-                  <a:srgbClr val="DBDEE1"/>
-                </a:solidFill>
-                <a:effectLst/>
-                <a:latin typeface="inherit"/>
-              </a:rPr>
-              <a:t>обсъждане</a:t>
-            </a:r>
-            <a:r>
-              <a:rPr lang="ru-RU" sz="3200" b="0" i="0" dirty="0">
-                <a:solidFill>
-                  <a:srgbClr val="DBDEE1"/>
-                </a:solidFill>
-                <a:effectLst/>
-                <a:latin typeface="inherit"/>
-              </a:rPr>
-              <a:t> на </a:t>
-            </a:r>
-            <a:r>
-              <a:rPr lang="ru-RU" sz="3200" b="0" i="0" dirty="0" err="1">
-                <a:solidFill>
-                  <a:srgbClr val="DBDEE1"/>
-                </a:solidFill>
-                <a:effectLst/>
-                <a:latin typeface="inherit"/>
-              </a:rPr>
-              <a:t>възможни</a:t>
-            </a:r>
-            <a:r>
-              <a:rPr lang="ru-RU" sz="3200" b="0" i="0" dirty="0">
-                <a:solidFill>
-                  <a:srgbClr val="DBDEE1"/>
-                </a:solidFill>
-                <a:effectLst/>
-                <a:latin typeface="inherit"/>
-              </a:rPr>
-              <a:t> идеи, </a:t>
-            </a:r>
-            <a:r>
-              <a:rPr lang="ru-RU" sz="3200" b="0" i="0" dirty="0" err="1">
-                <a:solidFill>
-                  <a:srgbClr val="DBDEE1"/>
-                </a:solidFill>
-                <a:effectLst/>
-                <a:latin typeface="inherit"/>
-              </a:rPr>
-              <a:t>започване</a:t>
-            </a:r>
-            <a:r>
-              <a:rPr lang="ru-RU" sz="3200" b="0" i="0" dirty="0">
-                <a:solidFill>
-                  <a:srgbClr val="DBDEE1"/>
-                </a:solidFill>
-                <a:effectLst/>
-                <a:latin typeface="inherit"/>
-              </a:rPr>
-              <a:t> на сайта.</a:t>
-            </a:r>
-          </a:p>
-          <a:p>
-            <a:endParaRPr lang="bg-BG" sz="3200" dirty="0"/>
-          </a:p>
-          <a:p>
-            <a:r>
-              <a:rPr lang="bg-BG" sz="3200" dirty="0"/>
-              <a:t>2. </a:t>
-            </a:r>
-            <a:r>
-              <a:rPr lang="ru-RU" sz="3200" b="0" i="0" dirty="0" err="1">
-                <a:solidFill>
-                  <a:srgbClr val="DBDEE1"/>
-                </a:solidFill>
-                <a:effectLst/>
-                <a:latin typeface="inherit"/>
-              </a:rPr>
-              <a:t>Довършване</a:t>
-            </a:r>
-            <a:r>
-              <a:rPr lang="ru-RU" sz="3200" b="0" i="0" dirty="0">
-                <a:solidFill>
-                  <a:srgbClr val="DBDEE1"/>
-                </a:solidFill>
-                <a:effectLst/>
-                <a:latin typeface="inherit"/>
-              </a:rPr>
-              <a:t> на сайта, </a:t>
-            </a:r>
-            <a:r>
-              <a:rPr lang="ru-RU" sz="3200" b="0" i="0" dirty="0" err="1">
-                <a:solidFill>
-                  <a:srgbClr val="DBDEE1"/>
-                </a:solidFill>
-                <a:effectLst/>
-                <a:latin typeface="inherit"/>
-              </a:rPr>
-              <a:t>започване</a:t>
-            </a:r>
-            <a:r>
-              <a:rPr lang="ru-RU" sz="3200" b="0" i="0" dirty="0">
-                <a:solidFill>
-                  <a:srgbClr val="DBDEE1"/>
-                </a:solidFill>
-                <a:effectLst/>
-                <a:latin typeface="inherit"/>
-              </a:rPr>
-              <a:t> на документация и презентация.</a:t>
-            </a:r>
-          </a:p>
-          <a:p>
-            <a:endParaRPr lang="bg-BG" sz="3200" dirty="0"/>
-          </a:p>
-          <a:p>
-            <a:r>
-              <a:rPr lang="bg-BG" sz="3200" dirty="0"/>
-              <a:t>3.</a:t>
-            </a:r>
-            <a:r>
-              <a:rPr lang="ru-RU" sz="3200" b="0" i="0" dirty="0">
-                <a:solidFill>
-                  <a:srgbClr val="DBDEE1"/>
-                </a:solidFill>
-                <a:effectLst/>
-                <a:latin typeface="inherit"/>
-              </a:rPr>
-              <a:t> </a:t>
-            </a:r>
-            <a:r>
-              <a:rPr lang="ru-RU" sz="3200" b="0" i="0" dirty="0" err="1">
-                <a:solidFill>
-                  <a:srgbClr val="DBDEE1"/>
-                </a:solidFill>
-                <a:effectLst/>
-                <a:latin typeface="inherit"/>
-              </a:rPr>
-              <a:t>Завършване</a:t>
-            </a:r>
-            <a:r>
-              <a:rPr lang="ru-RU" sz="3200" b="0" i="0" dirty="0">
-                <a:solidFill>
-                  <a:srgbClr val="DBDEE1"/>
-                </a:solidFill>
-                <a:effectLst/>
-                <a:latin typeface="inherit"/>
-              </a:rPr>
-              <a:t> на </a:t>
-            </a:r>
-            <a:r>
-              <a:rPr lang="ru-RU" sz="3200" b="0" i="0" dirty="0" err="1">
-                <a:solidFill>
-                  <a:srgbClr val="DBDEE1"/>
-                </a:solidFill>
-                <a:effectLst/>
-                <a:latin typeface="inherit"/>
-              </a:rPr>
-              <a:t>документацията</a:t>
-            </a:r>
-            <a:r>
-              <a:rPr lang="ru-RU" sz="3200" b="0" i="0" dirty="0">
-                <a:solidFill>
-                  <a:srgbClr val="DBDEE1"/>
-                </a:solidFill>
-                <a:effectLst/>
-                <a:latin typeface="inherit"/>
-              </a:rPr>
-              <a:t> и </a:t>
-            </a:r>
-            <a:r>
-              <a:rPr lang="ru-RU" sz="3200" b="0" i="0" dirty="0" err="1">
-                <a:solidFill>
-                  <a:srgbClr val="DBDEE1"/>
-                </a:solidFill>
-                <a:effectLst/>
-                <a:latin typeface="inherit"/>
-              </a:rPr>
-              <a:t>презентацията</a:t>
-            </a:r>
-            <a:r>
-              <a:rPr lang="ru-RU" sz="3200" b="0" i="0" dirty="0">
-                <a:solidFill>
-                  <a:srgbClr val="DBDEE1"/>
-                </a:solidFill>
-                <a:effectLst/>
-                <a:latin typeface="inherit"/>
-              </a:rPr>
-              <a:t>.</a:t>
-            </a:r>
-          </a:p>
-          <a:p>
-            <a:endParaRPr lang="bg-BG" sz="3200" dirty="0"/>
-          </a:p>
-          <a:p>
-            <a:r>
-              <a:rPr lang="bg-BG" sz="3200" dirty="0"/>
-              <a:t>4.</a:t>
-            </a:r>
-            <a:r>
-              <a:rPr lang="bg-BG" sz="3200" b="0" i="0" dirty="0">
-                <a:solidFill>
-                  <a:srgbClr val="DBDEE1"/>
-                </a:solidFill>
-                <a:effectLst/>
-                <a:latin typeface="inherit"/>
-              </a:rPr>
-              <a:t> Представяне.</a:t>
+              <a:t>документацията и презентацията.</a:t>
             </a:r>
           </a:p>
           <a:p>
@@ -7775,6 +7613,18 @@
   <p:clrMapOvr>
     <a:masterClrMapping/>
   </p:clrMapOvr>
+  <mc:AlternateContent xmlns:mc="http://schemas.openxmlformats.org/markup-compatibility/2006">
+    <mc:Choice xmlns:p159="http://schemas.microsoft.com/office/powerpoint/2015/09/main" Requires="p159">
+      <p:transition xmlns:p14="http://schemas.microsoft.com/office/powerpoint/2010/main" spd="slow" p14:dur="2000">
+        <p159:morph option="byObject"/>
+      </p:transition>
+    </mc:Choice>
+    <mc:Fallback>
+      <p:transition spd="slow">
+        <p:fade/>
+      </p:transition>
+    </mc:Fallback>
+  </mc:AlternateContent>
 </p:sld>
 </file>
 
@@ -7985,7 +7835,7 @@
         </p:blipFill>
         <p:spPr>
           <a:xfrm>
-            <a:off x="6096000" y="3276599"/>
+            <a:off x="4590125" y="3210756"/>
             <a:ext cx="1658275" cy="1573567"/>
           </a:xfrm>
           <a:prstGeom prst="rect">
@@ -8022,7 +7872,7 @@
         </p:blipFill>
         <p:spPr bwMode="auto">
           <a:xfrm>
-            <a:off x="882957" y="3355758"/>
+            <a:off x="2063318" y="3355758"/>
             <a:ext cx="1428565" cy="1428565"/>
           </a:xfrm>
           <a:prstGeom prst="rect">
@@ -8042,10 +7892,10 @@
       </p:pic>
       <p:pic>
         <p:nvPicPr>
-          <p:cNvPr id="3092" name="Picture 20" descr="Microsoft Excel: Spreadsheets – Приложения в Google Play">
+          <p:cNvPr id="3094" name="Picture 22" descr="Git (софтуер) – Уикипедия">
             <a:extLst>
               <a:ext uri="{FF2B5EF4-FFF2-40B4-BE49-F238E27FC236}">
-                <a16:creationId xmlns:a16="http://schemas.microsoft.com/office/drawing/2014/main" id="{CE2F3B89-A332-3507-E120-181C40DFB0C4}"/>
+                <a16:creationId xmlns:a16="http://schemas.microsoft.com/office/drawing/2014/main" id="{7C03470A-CBC0-CDEC-079F-0DB051B7DAFD}"/>
               </a:ext>
             </a:extLst>
           </p:cNvPr>
@@ -8069,53 +7919,6 @@
         </p:blipFill>
         <p:spPr bwMode="auto">
           <a:xfrm>
-            <a:off x="3413278" y="3355757"/>
-            <a:ext cx="1428565" cy="1428565"/>
-          </a:xfrm>
-          <a:prstGeom prst="rect">
-            <a:avLst/>
-          </a:prstGeom>
-          <a:noFill/>
-          <a:extLst>
-            <a:ext uri="{909E8E84-426E-40DD-AFC4-6F175D3DCCD1}">
-              <a14:hiddenFill xmlns:a14="http://schemas.microsoft.com/office/drawing/2010/main">
-                <a:solidFill>
-                  <a:srgbClr val="FFFFFF"/>
-                </a:solidFill>
-              </a14:hiddenFill>
-            </a:ext>
-          </a:extLst>
-        </p:spPr>
-      </p:pic>
-      <p:pic>
-        <p:nvPicPr>
-          <p:cNvPr id="3094" name="Picture 22" descr="Git (софтуер) – Уикипедия">
-            <a:extLst>
-              <a:ext uri="{FF2B5EF4-FFF2-40B4-BE49-F238E27FC236}">
-                <a16:creationId xmlns:a16="http://schemas.microsoft.com/office/drawing/2014/main" id="{7C03470A-CBC0-CDEC-079F-0DB051B7DAFD}"/>
-              </a:ext>
-            </a:extLst>
-          </p:cNvPr>
-          <p:cNvPicPr>
-            <a:picLocks noChangeAspect="1" noChangeArrowheads="1"/>
-          </p:cNvPicPr>
-          <p:nvPr/>
-        </p:nvPicPr>
-        <p:blipFill>
-          <a:blip r:embed="rId7">
-            <a:extLst>
-              <a:ext uri="{28A0092B-C50C-407E-A947-70E740481C1C}">
-                <a14:useLocalDpi xmlns:a14="http://schemas.microsoft.com/office/drawing/2010/main" val="0"/>
-              </a:ext>
-            </a:extLst>
-          </a:blip>
-          <a:srcRect/>
-          <a:stretch>
-            <a:fillRect/>
-          </a:stretch>
-        </p:blipFill>
-        <p:spPr bwMode="auto">
-          <a:xfrm>
             <a:off x="7485138" y="1065780"/>
             <a:ext cx="2682695" cy="1573567"/>
           </a:xfrm>
@@ -8149,14 +7952,14 @@
           <p:nvPr/>
         </p:nvPicPr>
         <p:blipFill>
-          <a:blip r:embed="rId8"/>
+          <a:blip r:embed="rId7"/>
           <a:stretch>
             <a:fillRect/>
           </a:stretch>
         </p:blipFill>
         <p:spPr>
           <a:xfrm>
-            <a:off x="9008432" y="3421602"/>
+            <a:off x="7114317" y="3210756"/>
             <a:ext cx="1428564" cy="1428564"/>
           </a:xfrm>
           <a:prstGeom prst="rect">
@@ -8174,6 +7977,18 @@
   <p:clrMapOvr>
     <a:masterClrMapping/>
   </p:clrMapOvr>
+  <mc:AlternateContent xmlns:mc="http://schemas.openxmlformats.org/markup-compatibility/2006">
+    <mc:Choice xmlns:p159="http://schemas.microsoft.com/office/powerpoint/2015/09/main" Requires="p159">
+      <p:transition xmlns:p14="http://schemas.microsoft.com/office/powerpoint/2010/main" spd="slow" p14:dur="2000">
+        <p159:morph option="byObject"/>
+      </p:transition>
+    </mc:Choice>
+    <mc:Fallback>
+      <p:transition spd="slow">
+        <p:fade/>
+      </p:transition>
+    </mc:Fallback>
+  </mc:AlternateContent>
 </p:sld>
 </file>
 
@@ -8208,8 +8023,8 @@
         </p:nvSpPr>
         <p:spPr>
           <a:xfrm>
-            <a:off x="896645" y="728260"/>
-            <a:ext cx="10095390" cy="5401479"/>
+            <a:off x="887314" y="2071868"/>
+            <a:ext cx="10095390" cy="2554545"/>
           </a:xfrm>
           <a:prstGeom prst="rect">
             <a:avLst/>
@@ -8224,14 +8039,14 @@
           <a:p>
             <a:pPr algn="ctr"/>
             <a:r>
-              <a:rPr lang="bg-BG" sz="11500" dirty="0"/>
+              <a:rPr lang="bg-BG" sz="8000" dirty="0"/>
               <a:t>Нека преминем</a:t>
             </a:r>
           </a:p>
           <a:p>
             <a:pPr algn="ctr"/>
             <a:r>
-              <a:rPr lang="bg-BG" sz="11500" dirty="0"/>
+              <a:rPr lang="bg-BG" sz="8000" dirty="0"/>
               <a:t>към сайта</a:t>
             </a:r>
           </a:p>
@@ -8247,6 +8062,18 @@
   <p:clrMapOvr>
     <a:masterClrMapping/>
   </p:clrMapOvr>
+  <mc:AlternateContent xmlns:mc="http://schemas.openxmlformats.org/markup-compatibility/2006">
+    <mc:Choice xmlns:p159="http://schemas.microsoft.com/office/powerpoint/2015/09/main" Requires="p159">
+      <p:transition xmlns:p14="http://schemas.microsoft.com/office/powerpoint/2010/main" spd="slow" p14:dur="2000">
+        <p159:morph option="byObject"/>
+      </p:transition>
+    </mc:Choice>
+    <mc:Fallback>
+      <p:transition spd="slow">
+        <p:fade/>
+      </p:transition>
+    </mc:Fallback>
+  </mc:AlternateContent>
 </p:sld>
 </file>
 
